--- a/ZhiqianZhou.pptx
+++ b/ZhiqianZhou.pptx
@@ -224,7 +224,7 @@
           <a:p>
             <a:fld id="{BA4B639D-2F86-4640-A534-0D8721A9B3AA}" type="datetimeFigureOut">
               <a:rPr lang="en-US" smtClean="0"/>
-              <a:t>4/24/2018</a:t>
+              <a:t>5/11/2018</a:t>
             </a:fld>
             <a:endParaRPr lang="en-US"/>
           </a:p>
@@ -809,7 +809,7 @@
           <a:p>
             <a:fld id="{F857DA38-DCED-4F29-AFDB-21825519EC13}" type="datetimeFigureOut">
               <a:rPr lang="en-US" smtClean="0"/>
-              <a:t>4/24/2018</a:t>
+              <a:t>5/11/2018</a:t>
             </a:fld>
             <a:endParaRPr lang="en-US"/>
           </a:p>
@@ -1009,7 +1009,7 @@
           <a:p>
             <a:fld id="{F857DA38-DCED-4F29-AFDB-21825519EC13}" type="datetimeFigureOut">
               <a:rPr lang="en-US" smtClean="0"/>
-              <a:t>4/24/2018</a:t>
+              <a:t>5/11/2018</a:t>
             </a:fld>
             <a:endParaRPr lang="en-US"/>
           </a:p>
@@ -1219,7 +1219,7 @@
           <a:p>
             <a:fld id="{F857DA38-DCED-4F29-AFDB-21825519EC13}" type="datetimeFigureOut">
               <a:rPr lang="en-US" smtClean="0"/>
-              <a:t>4/24/2018</a:t>
+              <a:t>5/11/2018</a:t>
             </a:fld>
             <a:endParaRPr lang="en-US"/>
           </a:p>
@@ -1419,7 +1419,7 @@
           <a:p>
             <a:fld id="{F857DA38-DCED-4F29-AFDB-21825519EC13}" type="datetimeFigureOut">
               <a:rPr lang="en-US" smtClean="0"/>
-              <a:t>4/24/2018</a:t>
+              <a:t>5/11/2018</a:t>
             </a:fld>
             <a:endParaRPr lang="en-US"/>
           </a:p>
@@ -1695,7 +1695,7 @@
           <a:p>
             <a:fld id="{F857DA38-DCED-4F29-AFDB-21825519EC13}" type="datetimeFigureOut">
               <a:rPr lang="en-US" smtClean="0"/>
-              <a:t>4/24/2018</a:t>
+              <a:t>5/11/2018</a:t>
             </a:fld>
             <a:endParaRPr lang="en-US"/>
           </a:p>
@@ -1963,7 +1963,7 @@
           <a:p>
             <a:fld id="{F857DA38-DCED-4F29-AFDB-21825519EC13}" type="datetimeFigureOut">
               <a:rPr lang="en-US" smtClean="0"/>
-              <a:t>4/24/2018</a:t>
+              <a:t>5/11/2018</a:t>
             </a:fld>
             <a:endParaRPr lang="en-US"/>
           </a:p>
@@ -2378,7 +2378,7 @@
           <a:p>
             <a:fld id="{F857DA38-DCED-4F29-AFDB-21825519EC13}" type="datetimeFigureOut">
               <a:rPr lang="en-US" smtClean="0"/>
-              <a:t>4/24/2018</a:t>
+              <a:t>5/11/2018</a:t>
             </a:fld>
             <a:endParaRPr lang="en-US"/>
           </a:p>
@@ -2520,7 +2520,7 @@
           <a:p>
             <a:fld id="{F857DA38-DCED-4F29-AFDB-21825519EC13}" type="datetimeFigureOut">
               <a:rPr lang="en-US" smtClean="0"/>
-              <a:t>4/24/2018</a:t>
+              <a:t>5/11/2018</a:t>
             </a:fld>
             <a:endParaRPr lang="en-US"/>
           </a:p>
@@ -2633,7 +2633,7 @@
           <a:p>
             <a:fld id="{F857DA38-DCED-4F29-AFDB-21825519EC13}" type="datetimeFigureOut">
               <a:rPr lang="en-US" smtClean="0"/>
-              <a:t>4/24/2018</a:t>
+              <a:t>5/11/2018</a:t>
             </a:fld>
             <a:endParaRPr lang="en-US"/>
           </a:p>
@@ -2946,7 +2946,7 @@
           <a:p>
             <a:fld id="{F857DA38-DCED-4F29-AFDB-21825519EC13}" type="datetimeFigureOut">
               <a:rPr lang="en-US" smtClean="0"/>
-              <a:t>4/24/2018</a:t>
+              <a:t>5/11/2018</a:t>
             </a:fld>
             <a:endParaRPr lang="en-US"/>
           </a:p>
@@ -3235,7 +3235,7 @@
           <a:p>
             <a:fld id="{F857DA38-DCED-4F29-AFDB-21825519EC13}" type="datetimeFigureOut">
               <a:rPr lang="en-US" smtClean="0"/>
-              <a:t>4/24/2018</a:t>
+              <a:t>5/11/2018</a:t>
             </a:fld>
             <a:endParaRPr lang="en-US"/>
           </a:p>
@@ -3478,7 +3478,7 @@
           <a:p>
             <a:fld id="{F857DA38-DCED-4F29-AFDB-21825519EC13}" type="datetimeFigureOut">
               <a:rPr lang="en-US" smtClean="0"/>
-              <a:t>4/24/2018</a:t>
+              <a:t>5/11/2018</a:t>
             </a:fld>
             <a:endParaRPr lang="en-US"/>
           </a:p>
@@ -12318,25 +12318,18 @@
           <a:p>
             <a:pPr algn="ctr"/>
             <a:r>
-              <a:rPr lang="en-US" sz="3600" dirty="0">
-                <a:latin typeface="Times New Roman" panose="02020603050405020304" pitchFamily="18" charset="0"/>
-                <a:cs typeface="Times New Roman" panose="02020603050405020304" pitchFamily="18" charset="0"/>
-              </a:rPr>
-              <a:t>(</a:t>
-            </a:r>
-            <a:r>
-              <a:rPr lang="en-US" sz="3600" dirty="0" err="1">
-                <a:latin typeface="Times New Roman" panose="02020603050405020304" pitchFamily="18" charset="0"/>
-                <a:cs typeface="Times New Roman" panose="02020603050405020304" pitchFamily="18" charset="0"/>
-              </a:rPr>
-              <a:t>G</a:t>
-            </a:r>
-            <a:r>
-              <a:rPr lang="en-US" altLang="zh-CN" sz="3600" dirty="0" err="1">
-                <a:latin typeface="Times New Roman" panose="02020603050405020304" pitchFamily="18" charset="0"/>
-                <a:cs typeface="Times New Roman" panose="02020603050405020304" pitchFamily="18" charset="0"/>
-              </a:rPr>
-              <a:t>uassian</a:t>
+              <a:rPr lang="en-US" sz="3600">
+                <a:latin typeface="Times New Roman" panose="02020603050405020304" pitchFamily="18" charset="0"/>
+                <a:cs typeface="Times New Roman" panose="02020603050405020304" pitchFamily="18" charset="0"/>
+              </a:rPr>
+              <a:t>(G</a:t>
+            </a:r>
+            <a:r>
+              <a:rPr lang="en-US" altLang="zh-CN" sz="3600">
+                <a:latin typeface="Times New Roman" panose="02020603050405020304" pitchFamily="18" charset="0"/>
+                <a:cs typeface="Times New Roman" panose="02020603050405020304" pitchFamily="18" charset="0"/>
+              </a:rPr>
+              <a:t>aussian</a:t>
             </a:r>
             <a:r>
               <a:rPr lang="en-US" sz="3600" dirty="0">
